--- a/docs/diagrams/StatResultDiagram.pptx
+++ b/docs/diagrams/StatResultDiagram.pptx
@@ -104,6 +104,11 @@
       </a:defRPr>
     </a:lvl9pPr>
   </p:defaultTextStyle>
+  <p:extLst>
+    <p:ext uri="{EFAFB233-063F-42B5-8137-9DF3F51BA10A}">
+      <p15:sldGuideLst xmlns:p15="http://schemas.microsoft.com/office/powerpoint/2012/main"/>
+    </p:ext>
+  </p:extLst>
 </p:presentation>
 </file>
 
@@ -256,7 +261,7 @@
           <a:p>
             <a:fld id="{9D5AD478-A3EE-47C0-93E2-391302335CE1}" type="datetimeFigureOut">
               <a:rPr lang="en-SG" smtClean="0"/>
-              <a:t>3/4/2019</a:t>
+              <a:t>14/4/2019</a:t>
             </a:fld>
             <a:endParaRPr lang="en-SG"/>
           </a:p>
@@ -456,7 +461,7 @@
           <a:p>
             <a:fld id="{9D5AD478-A3EE-47C0-93E2-391302335CE1}" type="datetimeFigureOut">
               <a:rPr lang="en-SG" smtClean="0"/>
-              <a:t>3/4/2019</a:t>
+              <a:t>14/4/2019</a:t>
             </a:fld>
             <a:endParaRPr lang="en-SG"/>
           </a:p>
@@ -666,7 +671,7 @@
           <a:p>
             <a:fld id="{9D5AD478-A3EE-47C0-93E2-391302335CE1}" type="datetimeFigureOut">
               <a:rPr lang="en-SG" smtClean="0"/>
-              <a:t>3/4/2019</a:t>
+              <a:t>14/4/2019</a:t>
             </a:fld>
             <a:endParaRPr lang="en-SG"/>
           </a:p>
@@ -866,7 +871,7 @@
           <a:p>
             <a:fld id="{9D5AD478-A3EE-47C0-93E2-391302335CE1}" type="datetimeFigureOut">
               <a:rPr lang="en-SG" smtClean="0"/>
-              <a:t>3/4/2019</a:t>
+              <a:t>14/4/2019</a:t>
             </a:fld>
             <a:endParaRPr lang="en-SG"/>
           </a:p>
@@ -1142,7 +1147,7 @@
           <a:p>
             <a:fld id="{9D5AD478-A3EE-47C0-93E2-391302335CE1}" type="datetimeFigureOut">
               <a:rPr lang="en-SG" smtClean="0"/>
-              <a:t>3/4/2019</a:t>
+              <a:t>14/4/2019</a:t>
             </a:fld>
             <a:endParaRPr lang="en-SG"/>
           </a:p>
@@ -1410,7 +1415,7 @@
           <a:p>
             <a:fld id="{9D5AD478-A3EE-47C0-93E2-391302335CE1}" type="datetimeFigureOut">
               <a:rPr lang="en-SG" smtClean="0"/>
-              <a:t>3/4/2019</a:t>
+              <a:t>14/4/2019</a:t>
             </a:fld>
             <a:endParaRPr lang="en-SG"/>
           </a:p>
@@ -1825,7 +1830,7 @@
           <a:p>
             <a:fld id="{9D5AD478-A3EE-47C0-93E2-391302335CE1}" type="datetimeFigureOut">
               <a:rPr lang="en-SG" smtClean="0"/>
-              <a:t>3/4/2019</a:t>
+              <a:t>14/4/2019</a:t>
             </a:fld>
             <a:endParaRPr lang="en-SG"/>
           </a:p>
@@ -1967,7 +1972,7 @@
           <a:p>
             <a:fld id="{9D5AD478-A3EE-47C0-93E2-391302335CE1}" type="datetimeFigureOut">
               <a:rPr lang="en-SG" smtClean="0"/>
-              <a:t>3/4/2019</a:t>
+              <a:t>14/4/2019</a:t>
             </a:fld>
             <a:endParaRPr lang="en-SG"/>
           </a:p>
@@ -2080,7 +2085,7 @@
           <a:p>
             <a:fld id="{9D5AD478-A3EE-47C0-93E2-391302335CE1}" type="datetimeFigureOut">
               <a:rPr lang="en-SG" smtClean="0"/>
-              <a:t>3/4/2019</a:t>
+              <a:t>14/4/2019</a:t>
             </a:fld>
             <a:endParaRPr lang="en-SG"/>
           </a:p>
@@ -2393,7 +2398,7 @@
           <a:p>
             <a:fld id="{9D5AD478-A3EE-47C0-93E2-391302335CE1}" type="datetimeFigureOut">
               <a:rPr lang="en-SG" smtClean="0"/>
-              <a:t>3/4/2019</a:t>
+              <a:t>14/4/2019</a:t>
             </a:fld>
             <a:endParaRPr lang="en-SG"/>
           </a:p>
@@ -2682,7 +2687,7 @@
           <a:p>
             <a:fld id="{9D5AD478-A3EE-47C0-93E2-391302335CE1}" type="datetimeFigureOut">
               <a:rPr lang="en-SG" smtClean="0"/>
-              <a:t>3/4/2019</a:t>
+              <a:t>14/4/2019</a:t>
             </a:fld>
             <a:endParaRPr lang="en-SG"/>
           </a:p>
@@ -2925,7 +2930,7 @@
           <a:p>
             <a:fld id="{9D5AD478-A3EE-47C0-93E2-391302335CE1}" type="datetimeFigureOut">
               <a:rPr lang="en-SG" smtClean="0"/>
-              <a:t>3/4/2019</a:t>
+              <a:t>14/4/2019</a:t>
             </a:fld>
             <a:endParaRPr lang="en-SG"/>
           </a:p>
@@ -3344,10 +3349,10 @@
       </p:grpSpPr>
       <p:pic>
         <p:nvPicPr>
-          <p:cNvPr id="4" name="Picture 3">
-            <a:extLst>
-              <a:ext uri="{FF2B5EF4-FFF2-40B4-BE49-F238E27FC236}">
-                <a16:creationId xmlns:a16="http://schemas.microsoft.com/office/drawing/2014/main" id="{9F0526E6-7EBB-47F1-BD2A-C66DA2962E8A}"/>
+          <p:cNvPr id="2" name="Picture 1">
+            <a:extLst>
+              <a:ext uri="{FF2B5EF4-FFF2-40B4-BE49-F238E27FC236}">
+                <a16:creationId xmlns:a16="http://schemas.microsoft.com/office/drawing/2014/main" id="{014496CB-EB58-42AB-8590-AF0C9400FA44}"/>
               </a:ext>
             </a:extLst>
           </p:cNvPr>
@@ -3364,8 +3369,8 @@
         </p:blipFill>
         <p:spPr>
           <a:xfrm>
-            <a:off x="218527" y="637309"/>
-            <a:ext cx="9926012" cy="5583382"/>
+            <a:off x="389629" y="379792"/>
+            <a:ext cx="9991692" cy="5620327"/>
           </a:xfrm>
           <a:prstGeom prst="rect">
             <a:avLst/>
@@ -3386,8 +3391,8 @@
         </p:nvSpPr>
         <p:spPr>
           <a:xfrm>
-            <a:off x="3036192" y="985377"/>
-            <a:ext cx="7018900" cy="3470001"/>
+            <a:off x="3036192" y="738909"/>
+            <a:ext cx="7133044" cy="3716469"/>
           </a:xfrm>
           <a:custGeom>
             <a:avLst/>
@@ -3922,13 +3927,14 @@
           </p:cNvPr>
           <p:cNvCxnSpPr>
             <a:cxnSpLocks/>
+            <a:endCxn id="9" idx="1"/>
           </p:cNvCxnSpPr>
           <p:nvPr/>
         </p:nvCxnSpPr>
         <p:spPr>
           <a:xfrm>
-            <a:off x="10048461" y="2728291"/>
-            <a:ext cx="665721" cy="0"/>
+            <a:off x="10169236" y="2728291"/>
+            <a:ext cx="895928" cy="0"/>
           </a:xfrm>
           <a:prstGeom prst="straightConnector1">
             <a:avLst/>
@@ -3969,7 +3975,7 @@
         </p:nvSpPr>
         <p:spPr>
           <a:xfrm>
-            <a:off x="10714182" y="2266626"/>
+            <a:off x="11065164" y="2266626"/>
             <a:ext cx="1259291" cy="923330"/>
           </a:xfrm>
           <a:prstGeom prst="rect">
